--- a/powerpoint files/Session3.pptx
+++ b/powerpoint files/Session3.pptx
@@ -144,14 +144,6 @@
           <pc:docMk/>
           <pc:sldMk cId="0" sldId="256"/>
         </pc:sldMkLst>
-        <pc:spChg chg="mod">
-          <ac:chgData name="Srinivasa Rao" userId="a6b54366-f13d-4292-8bb4-f06c50909b1e" providerId="ADAL" clId="{7220976B-DC47-2B48-967E-178E573C9601}" dt="2023-10-30T17:18:51.916" v="0"/>
-          <ac:spMkLst>
-            <pc:docMk/>
-            <pc:sldMk cId="0" sldId="256"/>
-            <ac:spMk id="191" creationId="{00000000-0000-0000-0000-000000000000}"/>
-          </ac:spMkLst>
-        </pc:spChg>
       </pc:sldChg>
       <pc:sldChg chg="modSp mod">
         <pc:chgData name="Srinivasa Rao" userId="a6b54366-f13d-4292-8bb4-f06c50909b1e" providerId="ADAL" clId="{7220976B-DC47-2B48-967E-178E573C9601}" dt="2023-11-07T11:46:06.229" v="168" actId="20577"/>
@@ -159,14 +151,6 @@
           <pc:docMk/>
           <pc:sldMk cId="0" sldId="270"/>
         </pc:sldMkLst>
-        <pc:spChg chg="mod">
-          <ac:chgData name="Srinivasa Rao" userId="a6b54366-f13d-4292-8bb4-f06c50909b1e" providerId="ADAL" clId="{7220976B-DC47-2B48-967E-178E573C9601}" dt="2023-11-07T11:46:06.229" v="168" actId="20577"/>
-          <ac:spMkLst>
-            <pc:docMk/>
-            <pc:sldMk cId="0" sldId="270"/>
-            <ac:spMk id="247" creationId="{00000000-0000-0000-0000-000000000000}"/>
-          </ac:spMkLst>
-        </pc:spChg>
       </pc:sldChg>
     </pc:docChg>
   </pc:docChgLst>
@@ -183,12 +167,43 @@
           <pc:docMk/>
           <pc:sldMk cId="0" sldId="256"/>
         </pc:sldMkLst>
+      </pc:sldChg>
+    </pc:docChg>
+  </pc:docChgLst>
+  <pc:docChgLst>
+    <pc:chgData name="Srinivasa Rao" userId="a6b54366-f13d-4292-8bb4-f06c50909b1e" providerId="ADAL" clId="{433A89A6-4781-D24D-8015-02EF2C8B40CF}"/>
+    <pc:docChg chg="modSld">
+      <pc:chgData name="Srinivasa Rao" userId="a6b54366-f13d-4292-8bb4-f06c50909b1e" providerId="ADAL" clId="{433A89A6-4781-D24D-8015-02EF2C8B40CF}" dt="2025-02-02T20:41:50.229" v="18" actId="20577"/>
+      <pc:docMkLst>
+        <pc:docMk/>
+      </pc:docMkLst>
+      <pc:sldChg chg="modSp mod">
+        <pc:chgData name="Srinivasa Rao" userId="a6b54366-f13d-4292-8bb4-f06c50909b1e" providerId="ADAL" clId="{433A89A6-4781-D24D-8015-02EF2C8B40CF}" dt="2025-02-02T20:41:50.229" v="18" actId="20577"/>
+        <pc:sldMkLst>
+          <pc:docMk/>
+          <pc:sldMk cId="0" sldId="256"/>
+        </pc:sldMkLst>
         <pc:spChg chg="mod">
-          <ac:chgData name="Srinivasa Rao" userId="a6b54366-f13d-4292-8bb4-f06c50909b1e" providerId="ADAL" clId="{C204CC4C-C5B2-DD43-9613-63AE95810220}" dt="2024-02-20T08:14:14.711" v="0"/>
+          <ac:chgData name="Srinivasa Rao" userId="a6b54366-f13d-4292-8bb4-f06c50909b1e" providerId="ADAL" clId="{433A89A6-4781-D24D-8015-02EF2C8B40CF}" dt="2025-02-02T20:41:50.229" v="18" actId="20577"/>
           <ac:spMkLst>
             <pc:docMk/>
             <pc:sldMk cId="0" sldId="256"/>
             <ac:spMk id="191" creationId="{00000000-0000-0000-0000-000000000000}"/>
+          </ac:spMkLst>
+        </pc:spChg>
+      </pc:sldChg>
+      <pc:sldChg chg="modSp mod">
+        <pc:chgData name="Srinivasa Rao" userId="a6b54366-f13d-4292-8bb4-f06c50909b1e" providerId="ADAL" clId="{433A89A6-4781-D24D-8015-02EF2C8B40CF}" dt="2025-02-02T20:41:41.296" v="7" actId="20577"/>
+        <pc:sldMkLst>
+          <pc:docMk/>
+          <pc:sldMk cId="0" sldId="279"/>
+        </pc:sldMkLst>
+        <pc:spChg chg="mod">
+          <ac:chgData name="Srinivasa Rao" userId="a6b54366-f13d-4292-8bb4-f06c50909b1e" providerId="ADAL" clId="{433A89A6-4781-D24D-8015-02EF2C8B40CF}" dt="2025-02-02T20:41:41.296" v="7" actId="20577"/>
+          <ac:spMkLst>
+            <pc:docMk/>
+            <pc:sldMk cId="0" sldId="279"/>
+            <ac:spMk id="229" creationId="{00000000-0000-0000-0000-000000000000}"/>
           </ac:spMkLst>
         </pc:spChg>
       </pc:sldChg>
@@ -207,14 +222,6 @@
           <pc:docMk/>
           <pc:sldMk cId="0" sldId="256"/>
         </pc:sldMkLst>
-        <pc:spChg chg="mod">
-          <ac:chgData name="Srinivasa Rao" userId="a6b54366-f13d-4292-8bb4-f06c50909b1e" providerId="ADAL" clId="{0A5E6F97-4F2E-5B41-91AD-9C21C5C6BEA7}" dt="2024-04-22T19:32:13.854" v="7" actId="20577"/>
-          <ac:spMkLst>
-            <pc:docMk/>
-            <pc:sldMk cId="0" sldId="256"/>
-            <ac:spMk id="191" creationId="{00000000-0000-0000-0000-000000000000}"/>
-          </ac:spMkLst>
-        </pc:spChg>
       </pc:sldChg>
       <pc:sldChg chg="add">
         <pc:chgData name="Srinivasa Rao" userId="a6b54366-f13d-4292-8bb4-f06c50909b1e" providerId="ADAL" clId="{0A5E6F97-4F2E-5B41-91AD-9C21C5C6BEA7}" dt="2024-04-22T19:32:07.270" v="0"/>
@@ -10230,7 +10237,7 @@
                 <a:latin typeface="Calibri"/>
                 <a:ea typeface="DejaVu Sans"/>
               </a:rPr>
-              <a:t>Michaelmas 2024</a:t>
+              <a:t>Hilary 2025</a:t>
             </a:r>
             <a:endParaRPr lang="en-GB" sz="3200" b="0" strike="noStrike" spc="-1" dirty="0">
               <a:latin typeface="Arial"/>
@@ -13102,7 +13109,7 @@
                 <a:latin typeface="Calibri"/>
                 <a:ea typeface="DejaVu Sans"/>
               </a:rPr>
-              <a:t>Michaelmas 2024</a:t>
+              <a:t>Hilary 2025</a:t>
             </a:r>
             <a:endParaRPr lang="en-GB" sz="3200" b="0" strike="noStrike" spc="-1" dirty="0">
               <a:latin typeface="Arial"/>
